--- a/Alteryx_designer.pptx
+++ b/Alteryx_designer.pptx
@@ -3005,7 +3005,7 @@
           <a:p>
             <a:fld id="{EAB1D28D-C4DE-43A0-986C-163DEDD8469C}" type="datetimeFigureOut">
               <a:rPr lang="en-IN" smtClean="0"/>
-              <a:t>2020/02/01</a:t>
+              <a:t>2020/02/02</a:t>
             </a:fld>
             <a:endParaRPr lang="en-IN"/>
           </a:p>
@@ -3205,7 +3205,7 @@
           <a:p>
             <a:fld id="{EAB1D28D-C4DE-43A0-986C-163DEDD8469C}" type="datetimeFigureOut">
               <a:rPr lang="en-IN" smtClean="0"/>
-              <a:t>2020/02/01</a:t>
+              <a:t>2020/02/02</a:t>
             </a:fld>
             <a:endParaRPr lang="en-IN"/>
           </a:p>
@@ -3415,7 +3415,7 @@
           <a:p>
             <a:fld id="{EAB1D28D-C4DE-43A0-986C-163DEDD8469C}" type="datetimeFigureOut">
               <a:rPr lang="en-IN" smtClean="0"/>
-              <a:t>2020/02/01</a:t>
+              <a:t>2020/02/02</a:t>
             </a:fld>
             <a:endParaRPr lang="en-IN"/>
           </a:p>
@@ -3615,7 +3615,7 @@
           <a:p>
             <a:fld id="{EAB1D28D-C4DE-43A0-986C-163DEDD8469C}" type="datetimeFigureOut">
               <a:rPr lang="en-IN" smtClean="0"/>
-              <a:t>2020/02/01</a:t>
+              <a:t>2020/02/02</a:t>
             </a:fld>
             <a:endParaRPr lang="en-IN"/>
           </a:p>
@@ -3891,7 +3891,7 @@
           <a:p>
             <a:fld id="{EAB1D28D-C4DE-43A0-986C-163DEDD8469C}" type="datetimeFigureOut">
               <a:rPr lang="en-IN" smtClean="0"/>
-              <a:t>2020/02/01</a:t>
+              <a:t>2020/02/02</a:t>
             </a:fld>
             <a:endParaRPr lang="en-IN"/>
           </a:p>
@@ -4159,7 +4159,7 @@
           <a:p>
             <a:fld id="{EAB1D28D-C4DE-43A0-986C-163DEDD8469C}" type="datetimeFigureOut">
               <a:rPr lang="en-IN" smtClean="0"/>
-              <a:t>2020/02/01</a:t>
+              <a:t>2020/02/02</a:t>
             </a:fld>
             <a:endParaRPr lang="en-IN"/>
           </a:p>
@@ -4574,7 +4574,7 @@
           <a:p>
             <a:fld id="{EAB1D28D-C4DE-43A0-986C-163DEDD8469C}" type="datetimeFigureOut">
               <a:rPr lang="en-IN" smtClean="0"/>
-              <a:t>2020/02/01</a:t>
+              <a:t>2020/02/02</a:t>
             </a:fld>
             <a:endParaRPr lang="en-IN"/>
           </a:p>
@@ -4716,7 +4716,7 @@
           <a:p>
             <a:fld id="{EAB1D28D-C4DE-43A0-986C-163DEDD8469C}" type="datetimeFigureOut">
               <a:rPr lang="en-IN" smtClean="0"/>
-              <a:t>2020/02/01</a:t>
+              <a:t>2020/02/02</a:t>
             </a:fld>
             <a:endParaRPr lang="en-IN"/>
           </a:p>
@@ -4829,7 +4829,7 @@
           <a:p>
             <a:fld id="{EAB1D28D-C4DE-43A0-986C-163DEDD8469C}" type="datetimeFigureOut">
               <a:rPr lang="en-IN" smtClean="0"/>
-              <a:t>2020/02/01</a:t>
+              <a:t>2020/02/02</a:t>
             </a:fld>
             <a:endParaRPr lang="en-IN"/>
           </a:p>
@@ -5142,7 +5142,7 @@
           <a:p>
             <a:fld id="{EAB1D28D-C4DE-43A0-986C-163DEDD8469C}" type="datetimeFigureOut">
               <a:rPr lang="en-IN" smtClean="0"/>
-              <a:t>2020/02/01</a:t>
+              <a:t>2020/02/02</a:t>
             </a:fld>
             <a:endParaRPr lang="en-IN"/>
           </a:p>
@@ -5431,7 +5431,7 @@
           <a:p>
             <a:fld id="{EAB1D28D-C4DE-43A0-986C-163DEDD8469C}" type="datetimeFigureOut">
               <a:rPr lang="en-IN" smtClean="0"/>
-              <a:t>2020/02/01</a:t>
+              <a:t>2020/02/02</a:t>
             </a:fld>
             <a:endParaRPr lang="en-IN"/>
           </a:p>
@@ -5674,7 +5674,7 @@
           <a:p>
             <a:fld id="{EAB1D28D-C4DE-43A0-986C-163DEDD8469C}" type="datetimeFigureOut">
               <a:rPr lang="en-IN" smtClean="0"/>
-              <a:t>2020/02/01</a:t>
+              <a:t>2020/02/02</a:t>
             </a:fld>
             <a:endParaRPr lang="en-IN"/>
           </a:p>
@@ -7159,8 +7159,8 @@
         </p:nvSpPr>
         <p:spPr>
           <a:xfrm>
-            <a:off x="575907" y="1252813"/>
-            <a:ext cx="10980367" cy="4677723"/>
+            <a:off x="575907" y="285751"/>
+            <a:ext cx="10980367" cy="5644786"/>
           </a:xfrm>
         </p:spPr>
         <p:txBody>
@@ -7169,7 +7169,7 @@
           </a:bodyPr>
           <a:lstStyle/>
           <a:p>
-            <a:pPr algn="l" fontAlgn="base"/>
+            <a:pPr fontAlgn="base"/>
             <a:r>
               <a:rPr lang="en-GB" b="1" dirty="0"/>
               <a:t>Companies Using Alteryx</a:t>
@@ -7191,10 +7191,10 @@
       </p:sp>
       <p:pic>
         <p:nvPicPr>
-          <p:cNvPr id="3" name="Picture 2">
-            <a:extLst>
-              <a:ext uri="{FF2B5EF4-FFF2-40B4-BE49-F238E27FC236}">
-                <a16:creationId xmlns:a16="http://schemas.microsoft.com/office/drawing/2014/main" id="{7976CDDF-F0F7-4B04-99EE-DBC8150ED792}"/>
+          <p:cNvPr id="8" name="Picture 7">
+            <a:extLst>
+              <a:ext uri="{FF2B5EF4-FFF2-40B4-BE49-F238E27FC236}">
+                <a16:creationId xmlns:a16="http://schemas.microsoft.com/office/drawing/2014/main" id="{1249C822-BA58-4AD1-A56C-CDCE34B30515}"/>
               </a:ext>
             </a:extLst>
           </p:cNvPr>
@@ -7211,68 +7211,8 @@
         </p:blipFill>
         <p:spPr>
           <a:xfrm>
-            <a:off x="8257484" y="2347912"/>
-            <a:ext cx="1819275" cy="1095375"/>
-          </a:xfrm>
-          <a:prstGeom prst="rect">
-            <a:avLst/>
-          </a:prstGeom>
-        </p:spPr>
-      </p:pic>
-      <p:pic>
-        <p:nvPicPr>
-          <p:cNvPr id="6" name="Picture 5">
-            <a:extLst>
-              <a:ext uri="{FF2B5EF4-FFF2-40B4-BE49-F238E27FC236}">
-                <a16:creationId xmlns:a16="http://schemas.microsoft.com/office/drawing/2014/main" id="{E9C0050C-BB7E-4FA4-86AC-120468E48B3B}"/>
-              </a:ext>
-            </a:extLst>
-          </p:cNvPr>
-          <p:cNvPicPr>
-            <a:picLocks noChangeAspect="1"/>
-          </p:cNvPicPr>
-          <p:nvPr/>
-        </p:nvPicPr>
-        <p:blipFill>
-          <a:blip r:embed="rId4"/>
-          <a:stretch>
-            <a:fillRect/>
-          </a:stretch>
-        </p:blipFill>
-        <p:spPr>
-          <a:xfrm>
-            <a:off x="6355246" y="2368731"/>
-            <a:ext cx="1390650" cy="933450"/>
-          </a:xfrm>
-          <a:prstGeom prst="rect">
-            <a:avLst/>
-          </a:prstGeom>
-        </p:spPr>
-      </p:pic>
-      <p:pic>
-        <p:nvPicPr>
-          <p:cNvPr id="7" name="Picture 6">
-            <a:extLst>
-              <a:ext uri="{FF2B5EF4-FFF2-40B4-BE49-F238E27FC236}">
-                <a16:creationId xmlns:a16="http://schemas.microsoft.com/office/drawing/2014/main" id="{69F8B249-8F04-4826-82F2-E1F91F926372}"/>
-              </a:ext>
-            </a:extLst>
-          </p:cNvPr>
-          <p:cNvPicPr>
-            <a:picLocks noChangeAspect="1"/>
-          </p:cNvPicPr>
-          <p:nvPr/>
-        </p:nvPicPr>
-        <p:blipFill>
-          <a:blip r:embed="rId5"/>
-          <a:stretch>
-            <a:fillRect/>
-          </a:stretch>
-        </p:blipFill>
-        <p:spPr>
-          <a:xfrm>
-            <a:off x="800122" y="2362200"/>
-            <a:ext cx="4810125" cy="1066800"/>
+            <a:off x="1361183" y="777939"/>
+            <a:ext cx="9409814" cy="5794310"/>
           </a:xfrm>
           <a:prstGeom prst="rect">
             <a:avLst/>
@@ -7373,7 +7313,7 @@
           <a:graphicData uri="http://schemas.openxmlformats.org/presentationml/2006/ole">
             <mc:AlternateContent xmlns:mc="http://schemas.openxmlformats.org/markup-compatibility/2006">
               <mc:Choice xmlns:v="urn:schemas-microsoft-com:vml" Requires="v">
-                <p:oleObj spid="_x0000_s1046" name="Document" r:id="rId3" imgW="8124412" imgH="5417858" progId="Word.Document.12">
+                <p:oleObj spid="_x0000_s1058" name="Document" r:id="rId3" imgW="8124412" imgH="5417858" progId="Word.Document.12">
                   <p:embed/>
                 </p:oleObj>
               </mc:Choice>
@@ -7436,7 +7376,7 @@
           <a:graphicData uri="http://schemas.openxmlformats.org/presentationml/2006/ole">
             <mc:AlternateContent xmlns:mc="http://schemas.openxmlformats.org/markup-compatibility/2006">
               <mc:Choice xmlns:v="urn:schemas-microsoft-com:vml" Requires="v">
-                <p:oleObj spid="_x0000_s1047" name="Document" showAsIcon="1" r:id="rId5" imgW="914400" imgH="792360" progId="Word.Document.12">
+                <p:oleObj spid="_x0000_s1059" name="Document" showAsIcon="1" r:id="rId5" imgW="914400" imgH="792360" progId="Word.Document.12">
                   <p:embed/>
                 </p:oleObj>
               </mc:Choice>
@@ -7567,7 +7507,7 @@
           <a:p>
             <a:pPr algn="l"/>
             <a:r>
-              <a:rPr lang="en-IN">
+              <a:rPr lang="en-IN" dirty="0">
                 <a:solidFill>
                   <a:schemeClr val="bg1"/>
                 </a:solidFill>
@@ -7698,15 +7638,37 @@
             </a:pPr>
             <a:r>
               <a:rPr lang="en-IN" dirty="0"/>
-              <a:t>One tool at a time – Input data, Text Input, Browse, Filter, Sort , Formula, Data Cleansing</a:t>
-            </a:r>
+              <a:t>One tool at a time – Input data, Text Input, Browse, Filter, Sort , Formula, Data </a:t>
+            </a:r>
+            <a:r>
+              <a:rPr lang="en-IN" dirty="0" err="1"/>
+              <a:t>Cleansing,analytics</a:t>
+            </a:r>
+            <a:r>
+              <a:rPr lang="en-IN"/>
+              <a:t> tool</a:t>
+            </a:r>
+            <a:endParaRPr lang="en-IN" dirty="0"/>
           </a:p>
           <a:p>
             <a:pPr marL="800100" lvl="1" indent="-342900" algn="l">
               <a:buFont typeface="Arial" panose="020B0604020202020204" pitchFamily="34" charset="0"/>
               <a:buChar char="•"/>
             </a:pPr>
-            <a:endParaRPr lang="en-IN" dirty="0"/>
+            <a:r>
+              <a:rPr lang="en-IN" dirty="0"/>
+              <a:t>Data Mining Assignments workflow</a:t>
+            </a:r>
+          </a:p>
+          <a:p>
+            <a:pPr marL="800100" lvl="1" indent="-342900" algn="l">
+              <a:buFont typeface="Arial" panose="020B0604020202020204" pitchFamily="34" charset="0"/>
+              <a:buChar char="•"/>
+            </a:pPr>
+            <a:r>
+              <a:rPr lang="en-IN" dirty="0"/>
+              <a:t>Exercise files</a:t>
+            </a:r>
           </a:p>
           <a:p>
             <a:pPr algn="l"/>
